--- a/Lab 6 + 7/Lab 7 bài giảng.pptx
+++ b/Lab 6 + 7/Lab 7 bài giảng.pptx
@@ -5180,7 +5180,7 @@
         </p:spPr>
         <p:txBody>
           <a:bodyPr>
-            <a:normAutofit/>
+            <a:normAutofit lnSpcReduction="10000"/>
           </a:bodyPr>
           <a:lstStyle/>
           <a:p>
@@ -5250,7 +5250,7 @@
             </a:r>
             <a:r>
               <a:rPr lang="en-GB" altLang="en-US" dirty="0"/>
-              <a:t> dictionary[key] = value.</a:t>
+              <a:t> dictionary[key] = value </a:t>
             </a:r>
           </a:p>
           <a:p>
@@ -5448,7 +5448,31 @@
             </a:r>
             <a:r>
               <a:rPr lang="en-US" altLang="en-US" dirty="0"/>
-              <a:t> dictionary[key]. </a:t>
+              <a:t> dictionary[key] </a:t>
+            </a:r>
+            <a:r>
+              <a:rPr lang="en-US" altLang="en-US" dirty="0" err="1"/>
+              <a:t>hoặc</a:t>
+            </a:r>
+            <a:r>
+              <a:rPr lang="en-US" altLang="en-US" dirty="0"/>
+              <a:t> </a:t>
+            </a:r>
+            <a:r>
+              <a:rPr lang="en-US" altLang="en-US" dirty="0" err="1"/>
+              <a:t>sử</a:t>
+            </a:r>
+            <a:r>
+              <a:rPr lang="en-US" altLang="en-US" dirty="0"/>
+              <a:t> </a:t>
+            </a:r>
+            <a:r>
+              <a:rPr lang="en-US" altLang="en-US" dirty="0" err="1"/>
+              <a:t>dụng</a:t>
+            </a:r>
+            <a:r>
+              <a:rPr lang="en-US" altLang="en-US" dirty="0"/>
+              <a:t> get(). </a:t>
             </a:r>
             <a:r>
               <a:rPr lang="en-US" altLang="en-US" dirty="0" err="1"/>
@@ -5642,9 +5666,68 @@
             </a:r>
             <a:r>
               <a:rPr lang="vi-VN" altLang="en-US" dirty="0"/>
-              <a:t>sử dụng câu lệnh del hoặc phương thức pop()</a:t>
-            </a:r>
-            <a:endParaRPr lang="en-US" altLang="en-US" dirty="0"/>
+              <a:t>sử dụng câu lệnh del</a:t>
+            </a:r>
+            <a:r>
+              <a:rPr lang="en-US" altLang="en-US" dirty="0"/>
+              <a:t>, </a:t>
+            </a:r>
+            <a:r>
+              <a:rPr lang="vi-VN" altLang="en-US" dirty="0"/>
+              <a:t>phương thức pop()</a:t>
+            </a:r>
+            <a:r>
+              <a:rPr lang="en-US" altLang="en-US" dirty="0"/>
+              <a:t>, </a:t>
+            </a:r>
+            <a:r>
+              <a:rPr lang="en-US" altLang="en-US" dirty="0" err="1"/>
+              <a:t>phương</a:t>
+            </a:r>
+            <a:r>
+              <a:rPr lang="en-US" altLang="en-US" dirty="0"/>
+              <a:t> </a:t>
+            </a:r>
+            <a:r>
+              <a:rPr lang="en-US" altLang="en-US" dirty="0" err="1"/>
+              <a:t>thức</a:t>
+            </a:r>
+            <a:r>
+              <a:rPr lang="en-US" altLang="en-US" dirty="0"/>
+              <a:t> </a:t>
+            </a:r>
+            <a:r>
+              <a:rPr lang="en-US" altLang="en-US" dirty="0" err="1"/>
+              <a:t>popitems</a:t>
+            </a:r>
+            <a:r>
+              <a:rPr lang="en-US" altLang="en-US" dirty="0"/>
+              <a:t>, </a:t>
+            </a:r>
+            <a:r>
+              <a:rPr lang="en-US" altLang="en-US" dirty="0" err="1"/>
+              <a:t>sử</a:t>
+            </a:r>
+            <a:r>
+              <a:rPr lang="en-US" altLang="en-US" dirty="0"/>
+              <a:t> </a:t>
+            </a:r>
+            <a:r>
+              <a:rPr lang="en-US" altLang="en-US" dirty="0" err="1"/>
+              <a:t>dụng</a:t>
+            </a:r>
+            <a:r>
+              <a:rPr lang="en-US" altLang="en-US" dirty="0"/>
+              <a:t> </a:t>
+            </a:r>
+            <a:r>
+              <a:rPr lang="en-US" altLang="en-US" dirty="0" err="1"/>
+              <a:t>hàm</a:t>
+            </a:r>
+            <a:r>
+              <a:rPr lang="en-US" altLang="en-US" dirty="0"/>
+              <a:t> clear()</a:t>
+            </a:r>
           </a:p>
           <a:p>
             <a:pPr marL="0" indent="0">
@@ -11966,13 +12049,13 @@
         </p:nvSpPr>
         <p:spPr>
           <a:xfrm>
-            <a:off x="392626" y="1644241"/>
-            <a:ext cx="11406748" cy="4953143"/>
+            <a:off x="392626" y="1371601"/>
+            <a:ext cx="11406748" cy="5225784"/>
           </a:xfrm>
         </p:spPr>
         <p:txBody>
           <a:bodyPr>
-            <a:normAutofit fontScale="92500" lnSpcReduction="20000"/>
+            <a:normAutofit fontScale="92500" lnSpcReduction="10000"/>
           </a:bodyPr>
           <a:lstStyle/>
           <a:p>
@@ -31808,7 +31891,15 @@
             </a:pPr>
             <a:r>
               <a:rPr lang="vi-VN" altLang="en-US" dirty="0"/>
-              <a:t>Dictionary trong Python là một cấu trúc dữ liệu không tuần tự (unordered) và có khả năng thay đổi (mutable) được sử dụng để lưu trữ và truy xuất các giá trị dựa trên cặp key-value. Key là một giá trị duy nhất và không thay đổi trong dictionary, còn value có thể là bất kỳ loại dữ liệu nào.</a:t>
+              <a:t>Dictionary trong Python là một cấu trúc dữ liệu không tuần tự (unordered) và có </a:t>
+            </a:r>
+            <a:r>
+              <a:rPr lang="vi-VN" altLang="en-US" b="1" dirty="0"/>
+              <a:t>khả năng thay đổi </a:t>
+            </a:r>
+            <a:r>
+              <a:rPr lang="vi-VN" altLang="en-US" dirty="0"/>
+              <a:t>(mutable) được sử dụng để lưu trữ và truy xuất các giá trị dựa trên cặp key-value. Key là một giá trị duy nhất và không thay đổi trong dictionary, còn value có thể là bất kỳ loại dữ liệu nào.</a:t>
             </a:r>
             <a:endParaRPr lang="en-US" altLang="en-US" dirty="0"/>
           </a:p>
